--- a/Documentação/Imagens TCC/Apresentação1.pptx
+++ b/Documentação/Imagens TCC/Apresentação1.pptx
@@ -9,6 +9,7 @@
     <p:sldId id="257" r:id="rId3"/>
     <p:sldId id="258" r:id="rId4"/>
     <p:sldId id="259" r:id="rId5"/>
+    <p:sldId id="260" r:id="rId6"/>
   </p:sldIdLst>
   <p:sldSz cx="12192000" cy="6858000"/>
   <p:notesSz cx="6858000" cy="9144000"/>
@@ -246,7 +247,7 @@
           <a:p>
             <a:fld id="{2C228D38-A889-44A1-A600-7882219B7E5C}" type="datetimeFigureOut">
               <a:rPr lang="pt-BR" smtClean="0"/>
-              <a:t>06/06/2016</a:t>
+              <a:t>17/12/2016</a:t>
             </a:fld>
             <a:endParaRPr lang="pt-BR"/>
           </a:p>
@@ -416,7 +417,7 @@
           <a:p>
             <a:fld id="{2C228D38-A889-44A1-A600-7882219B7E5C}" type="datetimeFigureOut">
               <a:rPr lang="pt-BR" smtClean="0"/>
-              <a:t>06/06/2016</a:t>
+              <a:t>17/12/2016</a:t>
             </a:fld>
             <a:endParaRPr lang="pt-BR"/>
           </a:p>
@@ -596,7 +597,7 @@
           <a:p>
             <a:fld id="{2C228D38-A889-44A1-A600-7882219B7E5C}" type="datetimeFigureOut">
               <a:rPr lang="pt-BR" smtClean="0"/>
-              <a:t>06/06/2016</a:t>
+              <a:t>17/12/2016</a:t>
             </a:fld>
             <a:endParaRPr lang="pt-BR"/>
           </a:p>
@@ -766,7 +767,7 @@
           <a:p>
             <a:fld id="{2C228D38-A889-44A1-A600-7882219B7E5C}" type="datetimeFigureOut">
               <a:rPr lang="pt-BR" smtClean="0"/>
-              <a:t>06/06/2016</a:t>
+              <a:t>17/12/2016</a:t>
             </a:fld>
             <a:endParaRPr lang="pt-BR"/>
           </a:p>
@@ -1012,7 +1013,7 @@
           <a:p>
             <a:fld id="{2C228D38-A889-44A1-A600-7882219B7E5C}" type="datetimeFigureOut">
               <a:rPr lang="pt-BR" smtClean="0"/>
-              <a:t>06/06/2016</a:t>
+              <a:t>17/12/2016</a:t>
             </a:fld>
             <a:endParaRPr lang="pt-BR"/>
           </a:p>
@@ -1244,7 +1245,7 @@
           <a:p>
             <a:fld id="{2C228D38-A889-44A1-A600-7882219B7E5C}" type="datetimeFigureOut">
               <a:rPr lang="pt-BR" smtClean="0"/>
-              <a:t>06/06/2016</a:t>
+              <a:t>17/12/2016</a:t>
             </a:fld>
             <a:endParaRPr lang="pt-BR"/>
           </a:p>
@@ -1611,7 +1612,7 @@
           <a:p>
             <a:fld id="{2C228D38-A889-44A1-A600-7882219B7E5C}" type="datetimeFigureOut">
               <a:rPr lang="pt-BR" smtClean="0"/>
-              <a:t>06/06/2016</a:t>
+              <a:t>17/12/2016</a:t>
             </a:fld>
             <a:endParaRPr lang="pt-BR"/>
           </a:p>
@@ -1729,7 +1730,7 @@
           <a:p>
             <a:fld id="{2C228D38-A889-44A1-A600-7882219B7E5C}" type="datetimeFigureOut">
               <a:rPr lang="pt-BR" smtClean="0"/>
-              <a:t>06/06/2016</a:t>
+              <a:t>17/12/2016</a:t>
             </a:fld>
             <a:endParaRPr lang="pt-BR"/>
           </a:p>
@@ -1824,7 +1825,7 @@
           <a:p>
             <a:fld id="{2C228D38-A889-44A1-A600-7882219B7E5C}" type="datetimeFigureOut">
               <a:rPr lang="pt-BR" smtClean="0"/>
-              <a:t>06/06/2016</a:t>
+              <a:t>17/12/2016</a:t>
             </a:fld>
             <a:endParaRPr lang="pt-BR"/>
           </a:p>
@@ -2101,7 +2102,7 @@
           <a:p>
             <a:fld id="{2C228D38-A889-44A1-A600-7882219B7E5C}" type="datetimeFigureOut">
               <a:rPr lang="pt-BR" smtClean="0"/>
-              <a:t>06/06/2016</a:t>
+              <a:t>17/12/2016</a:t>
             </a:fld>
             <a:endParaRPr lang="pt-BR"/>
           </a:p>
@@ -2354,7 +2355,7 @@
           <a:p>
             <a:fld id="{2C228D38-A889-44A1-A600-7882219B7E5C}" type="datetimeFigureOut">
               <a:rPr lang="pt-BR" smtClean="0"/>
-              <a:t>06/06/2016</a:t>
+              <a:t>17/12/2016</a:t>
             </a:fld>
             <a:endParaRPr lang="pt-BR"/>
           </a:p>
@@ -2567,7 +2568,7 @@
           <a:p>
             <a:fld id="{2C228D38-A889-44A1-A600-7882219B7E5C}" type="datetimeFigureOut">
               <a:rPr lang="pt-BR" smtClean="0"/>
-              <a:t>06/06/2016</a:t>
+              <a:t>17/12/2016</a:t>
             </a:fld>
             <a:endParaRPr lang="pt-BR"/>
           </a:p>
@@ -7966,6 +7967,1393 @@
 </p:sld>
 </file>
 
+<file path=ppt/slides/slide5.xml><?xml version="1.0" encoding="utf-8"?>
+<p:sld xmlns:a="http://schemas.openxmlformats.org/drawingml/2006/main" xmlns:r="http://schemas.openxmlformats.org/officeDocument/2006/relationships" xmlns:p="http://schemas.openxmlformats.org/presentationml/2006/main">
+  <p:cSld>
+    <p:spTree>
+      <p:nvGrpSpPr>
+        <p:cNvPr id="1" name=""/>
+        <p:cNvGrpSpPr/>
+        <p:nvPr/>
+      </p:nvGrpSpPr>
+      <p:grpSpPr>
+        <a:xfrm>
+          <a:off x="0" y="0"/>
+          <a:ext cx="0" cy="0"/>
+          <a:chOff x="0" y="0"/>
+          <a:chExt cx="0" cy="0"/>
+        </a:xfrm>
+      </p:grpSpPr>
+      <p:sp>
+        <p:nvSpPr>
+          <p:cNvPr id="2" name="Elipse 1"/>
+          <p:cNvSpPr/>
+          <p:nvPr/>
+        </p:nvSpPr>
+        <p:spPr>
+          <a:xfrm>
+            <a:off x="669703" y="836366"/>
+            <a:ext cx="1558345" cy="695459"/>
+          </a:xfrm>
+          <a:prstGeom prst="ellipse">
+            <a:avLst/>
+          </a:prstGeom>
+          <a:solidFill>
+            <a:schemeClr val="bg1">
+              <a:lumMod val="95000"/>
+            </a:schemeClr>
+          </a:solidFill>
+        </p:spPr>
+        <p:style>
+          <a:lnRef idx="2">
+            <a:schemeClr val="accent1">
+              <a:shade val="50000"/>
+            </a:schemeClr>
+          </a:lnRef>
+          <a:fillRef idx="1">
+            <a:schemeClr val="accent1"/>
+          </a:fillRef>
+          <a:effectRef idx="0">
+            <a:schemeClr val="accent1"/>
+          </a:effectRef>
+          <a:fontRef idx="minor">
+            <a:schemeClr val="lt1"/>
+          </a:fontRef>
+        </p:style>
+        <p:txBody>
+          <a:bodyPr rtlCol="0" anchor="ctr"/>
+          <a:lstStyle/>
+          <a:p>
+            <a:pPr algn="ctr"/>
+            <a:r>
+              <a:rPr lang="pt-BR" dirty="0" smtClean="0">
+                <a:solidFill>
+                  <a:schemeClr val="tx1"/>
+                </a:solidFill>
+                <a:latin typeface="Arial" panose="020B0604020202020204" pitchFamily="34" charset="0"/>
+                <a:cs typeface="Arial" panose="020B0604020202020204" pitchFamily="34" charset="0"/>
+              </a:rPr>
+              <a:t>AÇÃO</a:t>
+            </a:r>
+            <a:endParaRPr lang="pt-BR" dirty="0">
+              <a:solidFill>
+                <a:schemeClr val="tx1"/>
+              </a:solidFill>
+              <a:latin typeface="Arial" panose="020B0604020202020204" pitchFamily="34" charset="0"/>
+              <a:cs typeface="Arial" panose="020B0604020202020204" pitchFamily="34" charset="0"/>
+            </a:endParaRPr>
+          </a:p>
+        </p:txBody>
+      </p:sp>
+      <p:sp>
+        <p:nvSpPr>
+          <p:cNvPr id="3" name="Elipse 2"/>
+          <p:cNvSpPr/>
+          <p:nvPr/>
+        </p:nvSpPr>
+        <p:spPr>
+          <a:xfrm>
+            <a:off x="669702" y="1632710"/>
+            <a:ext cx="1558345" cy="695459"/>
+          </a:xfrm>
+          <a:prstGeom prst="ellipse">
+            <a:avLst/>
+          </a:prstGeom>
+          <a:solidFill>
+            <a:schemeClr val="bg1">
+              <a:lumMod val="95000"/>
+            </a:schemeClr>
+          </a:solidFill>
+        </p:spPr>
+        <p:style>
+          <a:lnRef idx="2">
+            <a:schemeClr val="accent1">
+              <a:shade val="50000"/>
+            </a:schemeClr>
+          </a:lnRef>
+          <a:fillRef idx="1">
+            <a:schemeClr val="accent1"/>
+          </a:fillRef>
+          <a:effectRef idx="0">
+            <a:schemeClr val="accent1"/>
+          </a:effectRef>
+          <a:fontRef idx="minor">
+            <a:schemeClr val="lt1"/>
+          </a:fontRef>
+        </p:style>
+        <p:txBody>
+          <a:bodyPr rtlCol="0" anchor="ctr"/>
+          <a:lstStyle/>
+          <a:p>
+            <a:pPr algn="ctr"/>
+            <a:r>
+              <a:rPr lang="pt-BR" dirty="0" smtClean="0">
+                <a:solidFill>
+                  <a:schemeClr val="tx1"/>
+                </a:solidFill>
+                <a:latin typeface="Arial" panose="020B0604020202020204" pitchFamily="34" charset="0"/>
+                <a:cs typeface="Arial" panose="020B0604020202020204" pitchFamily="34" charset="0"/>
+              </a:rPr>
+              <a:t>PARTES	</a:t>
+            </a:r>
+            <a:endParaRPr lang="pt-BR" dirty="0">
+              <a:solidFill>
+                <a:schemeClr val="tx1"/>
+              </a:solidFill>
+              <a:latin typeface="Arial" panose="020B0604020202020204" pitchFamily="34" charset="0"/>
+              <a:cs typeface="Arial" panose="020B0604020202020204" pitchFamily="34" charset="0"/>
+            </a:endParaRPr>
+          </a:p>
+        </p:txBody>
+      </p:sp>
+      <p:sp>
+        <p:nvSpPr>
+          <p:cNvPr id="4" name="Elipse 3"/>
+          <p:cNvSpPr/>
+          <p:nvPr/>
+        </p:nvSpPr>
+        <p:spPr>
+          <a:xfrm>
+            <a:off x="669702" y="2424393"/>
+            <a:ext cx="1558345" cy="695459"/>
+          </a:xfrm>
+          <a:prstGeom prst="ellipse">
+            <a:avLst/>
+          </a:prstGeom>
+          <a:solidFill>
+            <a:schemeClr val="bg1">
+              <a:lumMod val="95000"/>
+            </a:schemeClr>
+          </a:solidFill>
+        </p:spPr>
+        <p:style>
+          <a:lnRef idx="2">
+            <a:schemeClr val="accent1">
+              <a:shade val="50000"/>
+            </a:schemeClr>
+          </a:lnRef>
+          <a:fillRef idx="1">
+            <a:schemeClr val="accent1"/>
+          </a:fillRef>
+          <a:effectRef idx="0">
+            <a:schemeClr val="accent1"/>
+          </a:effectRef>
+          <a:fontRef idx="minor">
+            <a:schemeClr val="lt1"/>
+          </a:fontRef>
+        </p:style>
+        <p:txBody>
+          <a:bodyPr rtlCol="0" anchor="ctr"/>
+          <a:lstStyle/>
+          <a:p>
+            <a:pPr algn="ctr"/>
+            <a:r>
+              <a:rPr lang="pt-BR" dirty="0" smtClean="0">
+                <a:solidFill>
+                  <a:schemeClr val="tx1"/>
+                </a:solidFill>
+                <a:latin typeface="Arial" panose="020B0604020202020204" pitchFamily="34" charset="0"/>
+                <a:cs typeface="Arial" panose="020B0604020202020204" pitchFamily="34" charset="0"/>
+              </a:rPr>
+              <a:t>FASES</a:t>
+            </a:r>
+            <a:endParaRPr lang="pt-BR" dirty="0">
+              <a:solidFill>
+                <a:schemeClr val="tx1"/>
+              </a:solidFill>
+              <a:latin typeface="Arial" panose="020B0604020202020204" pitchFamily="34" charset="0"/>
+              <a:cs typeface="Arial" panose="020B0604020202020204" pitchFamily="34" charset="0"/>
+            </a:endParaRPr>
+          </a:p>
+        </p:txBody>
+      </p:sp>
+      <p:sp>
+        <p:nvSpPr>
+          <p:cNvPr id="5" name="Elipse 4"/>
+          <p:cNvSpPr/>
+          <p:nvPr/>
+        </p:nvSpPr>
+        <p:spPr>
+          <a:xfrm>
+            <a:off x="3477563" y="1150340"/>
+            <a:ext cx="2114281" cy="796344"/>
+          </a:xfrm>
+          <a:prstGeom prst="ellipse">
+            <a:avLst/>
+          </a:prstGeom>
+          <a:solidFill>
+            <a:schemeClr val="bg1">
+              <a:lumMod val="95000"/>
+            </a:schemeClr>
+          </a:solidFill>
+        </p:spPr>
+        <p:style>
+          <a:lnRef idx="2">
+            <a:schemeClr val="accent1">
+              <a:shade val="50000"/>
+            </a:schemeClr>
+          </a:lnRef>
+          <a:fillRef idx="1">
+            <a:schemeClr val="accent1"/>
+          </a:fillRef>
+          <a:effectRef idx="0">
+            <a:schemeClr val="accent1"/>
+          </a:effectRef>
+          <a:fontRef idx="minor">
+            <a:schemeClr val="lt1"/>
+          </a:fontRef>
+        </p:style>
+        <p:txBody>
+          <a:bodyPr rtlCol="0" anchor="ctr"/>
+          <a:lstStyle/>
+          <a:p>
+            <a:pPr algn="ctr"/>
+            <a:r>
+              <a:rPr lang="pt-BR" dirty="0" smtClean="0">
+                <a:solidFill>
+                  <a:schemeClr val="tx1"/>
+                </a:solidFill>
+                <a:latin typeface="Arial" panose="020B0604020202020204" pitchFamily="34" charset="0"/>
+                <a:cs typeface="Arial" panose="020B0604020202020204" pitchFamily="34" charset="0"/>
+              </a:rPr>
+              <a:t>OPERAÇÃO</a:t>
+            </a:r>
+            <a:endParaRPr lang="pt-BR" dirty="0">
+              <a:solidFill>
+                <a:schemeClr val="tx1"/>
+              </a:solidFill>
+              <a:latin typeface="Arial" panose="020B0604020202020204" pitchFamily="34" charset="0"/>
+              <a:cs typeface="Arial" panose="020B0604020202020204" pitchFamily="34" charset="0"/>
+            </a:endParaRPr>
+          </a:p>
+        </p:txBody>
+      </p:sp>
+      <p:sp>
+        <p:nvSpPr>
+          <p:cNvPr id="10" name="Elipse 9"/>
+          <p:cNvSpPr/>
+          <p:nvPr/>
+        </p:nvSpPr>
+        <p:spPr>
+          <a:xfrm>
+            <a:off x="3242466" y="3059676"/>
+            <a:ext cx="2165796" cy="794196"/>
+          </a:xfrm>
+          <a:prstGeom prst="ellipse">
+            <a:avLst/>
+          </a:prstGeom>
+          <a:solidFill>
+            <a:schemeClr val="bg1">
+              <a:lumMod val="95000"/>
+            </a:schemeClr>
+          </a:solidFill>
+        </p:spPr>
+        <p:style>
+          <a:lnRef idx="2">
+            <a:schemeClr val="accent1">
+              <a:shade val="50000"/>
+            </a:schemeClr>
+          </a:lnRef>
+          <a:fillRef idx="1">
+            <a:schemeClr val="accent1"/>
+          </a:fillRef>
+          <a:effectRef idx="0">
+            <a:schemeClr val="accent1"/>
+          </a:effectRef>
+          <a:fontRef idx="minor">
+            <a:schemeClr val="lt1"/>
+          </a:fontRef>
+        </p:style>
+        <p:txBody>
+          <a:bodyPr rtlCol="0" anchor="ctr"/>
+          <a:lstStyle/>
+          <a:p>
+            <a:pPr algn="ctr"/>
+            <a:r>
+              <a:rPr lang="pt-BR" dirty="0" smtClean="0">
+                <a:solidFill>
+                  <a:schemeClr val="tx1"/>
+                </a:solidFill>
+                <a:latin typeface="Arial" panose="020B0604020202020204" pitchFamily="34" charset="0"/>
+                <a:cs typeface="Arial" panose="020B0604020202020204" pitchFamily="34" charset="0"/>
+              </a:rPr>
+              <a:t>LINHA DE PRODUÇAO</a:t>
+            </a:r>
+            <a:endParaRPr lang="pt-BR" dirty="0">
+              <a:solidFill>
+                <a:schemeClr val="tx1"/>
+              </a:solidFill>
+              <a:latin typeface="Arial" panose="020B0604020202020204" pitchFamily="34" charset="0"/>
+              <a:cs typeface="Arial" panose="020B0604020202020204" pitchFamily="34" charset="0"/>
+            </a:endParaRPr>
+          </a:p>
+        </p:txBody>
+      </p:sp>
+      <p:sp>
+        <p:nvSpPr>
+          <p:cNvPr id="11" name="Elipse 10"/>
+          <p:cNvSpPr/>
+          <p:nvPr/>
+        </p:nvSpPr>
+        <p:spPr>
+          <a:xfrm>
+            <a:off x="3352664" y="2105008"/>
+            <a:ext cx="2114281" cy="796344"/>
+          </a:xfrm>
+          <a:prstGeom prst="ellipse">
+            <a:avLst/>
+          </a:prstGeom>
+          <a:solidFill>
+            <a:schemeClr val="bg1">
+              <a:lumMod val="95000"/>
+            </a:schemeClr>
+          </a:solidFill>
+        </p:spPr>
+        <p:style>
+          <a:lnRef idx="2">
+            <a:schemeClr val="accent1">
+              <a:shade val="50000"/>
+            </a:schemeClr>
+          </a:lnRef>
+          <a:fillRef idx="1">
+            <a:schemeClr val="accent1"/>
+          </a:fillRef>
+          <a:effectRef idx="0">
+            <a:schemeClr val="accent1"/>
+          </a:effectRef>
+          <a:fontRef idx="minor">
+            <a:schemeClr val="lt1"/>
+          </a:fontRef>
+        </p:style>
+        <p:txBody>
+          <a:bodyPr rtlCol="0" anchor="ctr"/>
+          <a:lstStyle/>
+          <a:p>
+            <a:pPr algn="ctr"/>
+            <a:r>
+              <a:rPr lang="pt-BR" dirty="0" smtClean="0">
+                <a:solidFill>
+                  <a:schemeClr val="tx1"/>
+                </a:solidFill>
+                <a:latin typeface="Arial" panose="020B0604020202020204" pitchFamily="34" charset="0"/>
+                <a:cs typeface="Arial" panose="020B0604020202020204" pitchFamily="34" charset="0"/>
+              </a:rPr>
+              <a:t>GRUPO PRODUTO</a:t>
+            </a:r>
+            <a:endParaRPr lang="pt-BR" dirty="0">
+              <a:solidFill>
+                <a:schemeClr val="tx1"/>
+              </a:solidFill>
+              <a:latin typeface="Arial" panose="020B0604020202020204" pitchFamily="34" charset="0"/>
+              <a:cs typeface="Arial" panose="020B0604020202020204" pitchFamily="34" charset="0"/>
+            </a:endParaRPr>
+          </a:p>
+        </p:txBody>
+      </p:sp>
+      <p:cxnSp>
+        <p:nvCxnSpPr>
+          <p:cNvPr id="13" name="Conector de seta reta 12"/>
+          <p:cNvCxnSpPr/>
+          <p:nvPr/>
+        </p:nvCxnSpPr>
+        <p:spPr>
+          <a:xfrm>
+            <a:off x="2300746" y="1185117"/>
+            <a:ext cx="1152000" cy="108000"/>
+          </a:xfrm>
+          <a:prstGeom prst="straightConnector1">
+            <a:avLst/>
+          </a:prstGeom>
+          <a:ln w="38100">
+            <a:solidFill>
+              <a:schemeClr val="tx2"/>
+            </a:solidFill>
+            <a:tailEnd type="triangle"/>
+          </a:ln>
+        </p:spPr>
+        <p:style>
+          <a:lnRef idx="1">
+            <a:schemeClr val="accent1"/>
+          </a:lnRef>
+          <a:fillRef idx="0">
+            <a:schemeClr val="accent1"/>
+          </a:fillRef>
+          <a:effectRef idx="0">
+            <a:schemeClr val="accent1"/>
+          </a:effectRef>
+          <a:fontRef idx="minor">
+            <a:schemeClr val="tx1"/>
+          </a:fontRef>
+        </p:style>
+      </p:cxnSp>
+      <p:cxnSp>
+        <p:nvCxnSpPr>
+          <p:cNvPr id="14" name="Conector de seta reta 13"/>
+          <p:cNvCxnSpPr/>
+          <p:nvPr/>
+        </p:nvCxnSpPr>
+        <p:spPr>
+          <a:xfrm flipV="1">
+            <a:off x="2260530" y="1584440"/>
+            <a:ext cx="1152000" cy="396000"/>
+          </a:xfrm>
+          <a:prstGeom prst="straightConnector1">
+            <a:avLst/>
+          </a:prstGeom>
+          <a:ln w="38100">
+            <a:solidFill>
+              <a:schemeClr val="tx2"/>
+            </a:solidFill>
+            <a:tailEnd type="triangle"/>
+          </a:ln>
+        </p:spPr>
+        <p:style>
+          <a:lnRef idx="1">
+            <a:schemeClr val="accent1"/>
+          </a:lnRef>
+          <a:fillRef idx="0">
+            <a:schemeClr val="accent1"/>
+          </a:fillRef>
+          <a:effectRef idx="0">
+            <a:schemeClr val="accent1"/>
+          </a:effectRef>
+          <a:fontRef idx="minor">
+            <a:schemeClr val="tx1"/>
+          </a:fontRef>
+        </p:style>
+      </p:cxnSp>
+      <p:cxnSp>
+        <p:nvCxnSpPr>
+          <p:cNvPr id="15" name="Conector de seta reta 14"/>
+          <p:cNvCxnSpPr/>
+          <p:nvPr/>
+        </p:nvCxnSpPr>
+        <p:spPr>
+          <a:xfrm flipV="1">
+            <a:off x="2296530" y="1891508"/>
+            <a:ext cx="1224000" cy="792000"/>
+          </a:xfrm>
+          <a:prstGeom prst="straightConnector1">
+            <a:avLst/>
+          </a:prstGeom>
+          <a:ln w="38100">
+            <a:solidFill>
+              <a:schemeClr val="tx2"/>
+            </a:solidFill>
+            <a:tailEnd type="triangle"/>
+          </a:ln>
+        </p:spPr>
+        <p:style>
+          <a:lnRef idx="1">
+            <a:schemeClr val="accent1"/>
+          </a:lnRef>
+          <a:fillRef idx="0">
+            <a:schemeClr val="accent1"/>
+          </a:fillRef>
+          <a:effectRef idx="0">
+            <a:schemeClr val="accent1"/>
+          </a:effectRef>
+          <a:fontRef idx="minor">
+            <a:schemeClr val="tx1"/>
+          </a:fontRef>
+        </p:style>
+      </p:cxnSp>
+      <p:sp>
+        <p:nvSpPr>
+          <p:cNvPr id="16" name="Elipse 15"/>
+          <p:cNvSpPr/>
+          <p:nvPr/>
+        </p:nvSpPr>
+        <p:spPr>
+          <a:xfrm>
+            <a:off x="3268223" y="4012196"/>
+            <a:ext cx="2114281" cy="796344"/>
+          </a:xfrm>
+          <a:prstGeom prst="ellipse">
+            <a:avLst/>
+          </a:prstGeom>
+          <a:solidFill>
+            <a:schemeClr val="bg1">
+              <a:lumMod val="95000"/>
+            </a:schemeClr>
+          </a:solidFill>
+        </p:spPr>
+        <p:style>
+          <a:lnRef idx="2">
+            <a:schemeClr val="accent1">
+              <a:shade val="50000"/>
+            </a:schemeClr>
+          </a:lnRef>
+          <a:fillRef idx="1">
+            <a:schemeClr val="accent1"/>
+          </a:fillRef>
+          <a:effectRef idx="0">
+            <a:schemeClr val="accent1"/>
+          </a:effectRef>
+          <a:fontRef idx="minor">
+            <a:schemeClr val="lt1"/>
+          </a:fontRef>
+        </p:style>
+        <p:txBody>
+          <a:bodyPr rtlCol="0" anchor="ctr"/>
+          <a:lstStyle/>
+          <a:p>
+            <a:pPr algn="ctr"/>
+            <a:r>
+              <a:rPr lang="pt-BR" dirty="0" smtClean="0">
+                <a:solidFill>
+                  <a:schemeClr val="tx1"/>
+                </a:solidFill>
+                <a:latin typeface="Arial" panose="020B0604020202020204" pitchFamily="34" charset="0"/>
+                <a:cs typeface="Arial" panose="020B0604020202020204" pitchFamily="34" charset="0"/>
+              </a:rPr>
+              <a:t>TIPOS DE RECURSO</a:t>
+            </a:r>
+            <a:endParaRPr lang="pt-BR" dirty="0">
+              <a:solidFill>
+                <a:schemeClr val="tx1"/>
+              </a:solidFill>
+              <a:latin typeface="Arial" panose="020B0604020202020204" pitchFamily="34" charset="0"/>
+              <a:cs typeface="Arial" panose="020B0604020202020204" pitchFamily="34" charset="0"/>
+            </a:endParaRPr>
+          </a:p>
+        </p:txBody>
+      </p:sp>
+      <p:sp>
+        <p:nvSpPr>
+          <p:cNvPr id="21" name="Elipse 20"/>
+          <p:cNvSpPr/>
+          <p:nvPr/>
+        </p:nvSpPr>
+        <p:spPr>
+          <a:xfrm>
+            <a:off x="6419088" y="1013179"/>
+            <a:ext cx="2114281" cy="796344"/>
+          </a:xfrm>
+          <a:prstGeom prst="ellipse">
+            <a:avLst/>
+          </a:prstGeom>
+          <a:solidFill>
+            <a:schemeClr val="bg1">
+              <a:lumMod val="95000"/>
+            </a:schemeClr>
+          </a:solidFill>
+        </p:spPr>
+        <p:style>
+          <a:lnRef idx="2">
+            <a:schemeClr val="accent1">
+              <a:shade val="50000"/>
+            </a:schemeClr>
+          </a:lnRef>
+          <a:fillRef idx="1">
+            <a:schemeClr val="accent1"/>
+          </a:fillRef>
+          <a:effectRef idx="0">
+            <a:schemeClr val="accent1"/>
+          </a:effectRef>
+          <a:fontRef idx="minor">
+            <a:schemeClr val="lt1"/>
+          </a:fontRef>
+        </p:style>
+        <p:txBody>
+          <a:bodyPr rtlCol="0" anchor="ctr"/>
+          <a:lstStyle/>
+          <a:p>
+            <a:pPr algn="ctr"/>
+            <a:r>
+              <a:rPr lang="pt-BR" dirty="0" smtClean="0">
+                <a:solidFill>
+                  <a:schemeClr val="tx1"/>
+                </a:solidFill>
+                <a:latin typeface="Arial" panose="020B0604020202020204" pitchFamily="34" charset="0"/>
+                <a:cs typeface="Arial" panose="020B0604020202020204" pitchFamily="34" charset="0"/>
+              </a:rPr>
+              <a:t>TECIDO</a:t>
+            </a:r>
+            <a:endParaRPr lang="pt-BR" dirty="0">
+              <a:solidFill>
+                <a:schemeClr val="tx1"/>
+              </a:solidFill>
+              <a:latin typeface="Arial" panose="020B0604020202020204" pitchFamily="34" charset="0"/>
+              <a:cs typeface="Arial" panose="020B0604020202020204" pitchFamily="34" charset="0"/>
+            </a:endParaRPr>
+          </a:p>
+        </p:txBody>
+      </p:sp>
+      <p:sp>
+        <p:nvSpPr>
+          <p:cNvPr id="22" name="Elipse 21"/>
+          <p:cNvSpPr/>
+          <p:nvPr/>
+        </p:nvSpPr>
+        <p:spPr>
+          <a:xfrm>
+            <a:off x="6332543" y="3066059"/>
+            <a:ext cx="2114281" cy="796344"/>
+          </a:xfrm>
+          <a:prstGeom prst="ellipse">
+            <a:avLst/>
+          </a:prstGeom>
+          <a:solidFill>
+            <a:schemeClr val="bg1">
+              <a:lumMod val="95000"/>
+            </a:schemeClr>
+          </a:solidFill>
+        </p:spPr>
+        <p:style>
+          <a:lnRef idx="2">
+            <a:schemeClr val="accent1">
+              <a:shade val="50000"/>
+            </a:schemeClr>
+          </a:lnRef>
+          <a:fillRef idx="1">
+            <a:schemeClr val="accent1"/>
+          </a:fillRef>
+          <a:effectRef idx="0">
+            <a:schemeClr val="accent1"/>
+          </a:effectRef>
+          <a:fontRef idx="minor">
+            <a:schemeClr val="lt1"/>
+          </a:fontRef>
+        </p:style>
+        <p:txBody>
+          <a:bodyPr rtlCol="0" anchor="ctr"/>
+          <a:lstStyle/>
+          <a:p>
+            <a:pPr algn="ctr"/>
+            <a:r>
+              <a:rPr lang="pt-BR" dirty="0" smtClean="0">
+                <a:solidFill>
+                  <a:schemeClr val="tx1"/>
+                </a:solidFill>
+                <a:latin typeface="Arial" panose="020B0604020202020204" pitchFamily="34" charset="0"/>
+                <a:cs typeface="Arial" panose="020B0604020202020204" pitchFamily="34" charset="0"/>
+              </a:rPr>
+              <a:t>OPERADOR</a:t>
+            </a:r>
+            <a:endParaRPr lang="pt-BR" dirty="0">
+              <a:solidFill>
+                <a:schemeClr val="tx1"/>
+              </a:solidFill>
+              <a:latin typeface="Arial" panose="020B0604020202020204" pitchFamily="34" charset="0"/>
+              <a:cs typeface="Arial" panose="020B0604020202020204" pitchFamily="34" charset="0"/>
+            </a:endParaRPr>
+          </a:p>
+        </p:txBody>
+      </p:sp>
+      <p:sp>
+        <p:nvSpPr>
+          <p:cNvPr id="23" name="Elipse 22"/>
+          <p:cNvSpPr/>
+          <p:nvPr/>
+        </p:nvSpPr>
+        <p:spPr>
+          <a:xfrm>
+            <a:off x="6412584" y="2048939"/>
+            <a:ext cx="2114281" cy="796344"/>
+          </a:xfrm>
+          <a:prstGeom prst="ellipse">
+            <a:avLst/>
+          </a:prstGeom>
+          <a:solidFill>
+            <a:schemeClr val="bg1">
+              <a:lumMod val="95000"/>
+            </a:schemeClr>
+          </a:solidFill>
+        </p:spPr>
+        <p:style>
+          <a:lnRef idx="2">
+            <a:schemeClr val="accent1">
+              <a:shade val="50000"/>
+            </a:schemeClr>
+          </a:lnRef>
+          <a:fillRef idx="1">
+            <a:schemeClr val="accent1"/>
+          </a:fillRef>
+          <a:effectRef idx="0">
+            <a:schemeClr val="accent1"/>
+          </a:effectRef>
+          <a:fontRef idx="minor">
+            <a:schemeClr val="lt1"/>
+          </a:fontRef>
+        </p:style>
+        <p:txBody>
+          <a:bodyPr rtlCol="0" anchor="ctr"/>
+          <a:lstStyle/>
+          <a:p>
+            <a:pPr algn="ctr"/>
+            <a:r>
+              <a:rPr lang="pt-BR" dirty="0" smtClean="0">
+                <a:solidFill>
+                  <a:schemeClr val="tx1"/>
+                </a:solidFill>
+                <a:latin typeface="Arial" panose="020B0604020202020204" pitchFamily="34" charset="0"/>
+                <a:cs typeface="Arial" panose="020B0604020202020204" pitchFamily="34" charset="0"/>
+              </a:rPr>
+              <a:t>PRODUTO</a:t>
+            </a:r>
+            <a:endParaRPr lang="pt-BR" dirty="0">
+              <a:solidFill>
+                <a:schemeClr val="tx1"/>
+              </a:solidFill>
+              <a:latin typeface="Arial" panose="020B0604020202020204" pitchFamily="34" charset="0"/>
+              <a:cs typeface="Arial" panose="020B0604020202020204" pitchFamily="34" charset="0"/>
+            </a:endParaRPr>
+          </a:p>
+        </p:txBody>
+      </p:sp>
+      <p:sp>
+        <p:nvSpPr>
+          <p:cNvPr id="24" name="Elipse 23"/>
+          <p:cNvSpPr/>
+          <p:nvPr/>
+        </p:nvSpPr>
+        <p:spPr>
+          <a:xfrm>
+            <a:off x="6363859" y="4101819"/>
+            <a:ext cx="2114281" cy="796344"/>
+          </a:xfrm>
+          <a:prstGeom prst="ellipse">
+            <a:avLst/>
+          </a:prstGeom>
+          <a:solidFill>
+            <a:schemeClr val="bg1">
+              <a:lumMod val="95000"/>
+            </a:schemeClr>
+          </a:solidFill>
+        </p:spPr>
+        <p:style>
+          <a:lnRef idx="2">
+            <a:schemeClr val="accent1">
+              <a:shade val="50000"/>
+            </a:schemeClr>
+          </a:lnRef>
+          <a:fillRef idx="1">
+            <a:schemeClr val="accent1"/>
+          </a:fillRef>
+          <a:effectRef idx="0">
+            <a:schemeClr val="accent1"/>
+          </a:effectRef>
+          <a:fontRef idx="minor">
+            <a:schemeClr val="lt1"/>
+          </a:fontRef>
+        </p:style>
+        <p:txBody>
+          <a:bodyPr rtlCol="0" anchor="ctr"/>
+          <a:lstStyle/>
+          <a:p>
+            <a:pPr algn="ctr"/>
+            <a:r>
+              <a:rPr lang="pt-BR" dirty="0" smtClean="0">
+                <a:solidFill>
+                  <a:schemeClr val="tx1"/>
+                </a:solidFill>
+                <a:latin typeface="Arial" panose="020B0604020202020204" pitchFamily="34" charset="0"/>
+                <a:cs typeface="Arial" panose="020B0604020202020204" pitchFamily="34" charset="0"/>
+              </a:rPr>
+              <a:t>RECURSO</a:t>
+            </a:r>
+            <a:endParaRPr lang="pt-BR" dirty="0">
+              <a:solidFill>
+                <a:schemeClr val="tx1"/>
+              </a:solidFill>
+              <a:latin typeface="Arial" panose="020B0604020202020204" pitchFamily="34" charset="0"/>
+              <a:cs typeface="Arial" panose="020B0604020202020204" pitchFamily="34" charset="0"/>
+            </a:endParaRPr>
+          </a:p>
+        </p:txBody>
+      </p:sp>
+      <p:sp>
+        <p:nvSpPr>
+          <p:cNvPr id="26" name="Elipse 25"/>
+          <p:cNvSpPr/>
+          <p:nvPr/>
+        </p:nvSpPr>
+        <p:spPr>
+          <a:xfrm>
+            <a:off x="9472504" y="3009441"/>
+            <a:ext cx="2334630" cy="1002755"/>
+          </a:xfrm>
+          <a:prstGeom prst="ellipse">
+            <a:avLst/>
+          </a:prstGeom>
+          <a:solidFill>
+            <a:schemeClr val="bg1">
+              <a:lumMod val="95000"/>
+            </a:schemeClr>
+          </a:solidFill>
+        </p:spPr>
+        <p:style>
+          <a:lnRef idx="2">
+            <a:schemeClr val="accent1">
+              <a:shade val="50000"/>
+            </a:schemeClr>
+          </a:lnRef>
+          <a:fillRef idx="1">
+            <a:schemeClr val="accent1"/>
+          </a:fillRef>
+          <a:effectRef idx="0">
+            <a:schemeClr val="accent1"/>
+          </a:effectRef>
+          <a:fontRef idx="minor">
+            <a:schemeClr val="lt1"/>
+          </a:fontRef>
+        </p:style>
+        <p:txBody>
+          <a:bodyPr rtlCol="0" anchor="ctr"/>
+          <a:lstStyle/>
+          <a:p>
+            <a:pPr algn="ctr"/>
+            <a:endParaRPr lang="pt-BR" dirty="0">
+              <a:solidFill>
+                <a:schemeClr val="tx1"/>
+              </a:solidFill>
+              <a:latin typeface="Arial" panose="020B0604020202020204" pitchFamily="34" charset="0"/>
+              <a:cs typeface="Arial" panose="020B0604020202020204" pitchFamily="34" charset="0"/>
+            </a:endParaRPr>
+          </a:p>
+        </p:txBody>
+      </p:sp>
+      <p:cxnSp>
+        <p:nvCxnSpPr>
+          <p:cNvPr id="29" name="Conector de seta reta 28"/>
+          <p:cNvCxnSpPr/>
+          <p:nvPr/>
+        </p:nvCxnSpPr>
+        <p:spPr>
+          <a:xfrm>
+            <a:off x="5466945" y="3456584"/>
+            <a:ext cx="865598" cy="7647"/>
+          </a:xfrm>
+          <a:prstGeom prst="straightConnector1">
+            <a:avLst/>
+          </a:prstGeom>
+          <a:ln w="38100">
+            <a:solidFill>
+              <a:schemeClr val="tx2"/>
+            </a:solidFill>
+            <a:tailEnd type="triangle"/>
+          </a:ln>
+        </p:spPr>
+        <p:style>
+          <a:lnRef idx="1">
+            <a:schemeClr val="accent1"/>
+          </a:lnRef>
+          <a:fillRef idx="0">
+            <a:schemeClr val="accent1"/>
+          </a:fillRef>
+          <a:effectRef idx="0">
+            <a:schemeClr val="accent1"/>
+          </a:effectRef>
+          <a:fontRef idx="minor">
+            <a:schemeClr val="tx1"/>
+          </a:fontRef>
+        </p:style>
+      </p:cxnSp>
+      <p:cxnSp>
+        <p:nvCxnSpPr>
+          <p:cNvPr id="31" name="Conector de seta reta 30"/>
+          <p:cNvCxnSpPr/>
+          <p:nvPr/>
+        </p:nvCxnSpPr>
+        <p:spPr>
+          <a:xfrm flipV="1">
+            <a:off x="8568608" y="3455700"/>
+            <a:ext cx="684000" cy="884"/>
+          </a:xfrm>
+          <a:prstGeom prst="straightConnector1">
+            <a:avLst/>
+          </a:prstGeom>
+          <a:ln w="38100">
+            <a:solidFill>
+              <a:schemeClr val="tx2"/>
+            </a:solidFill>
+            <a:tailEnd type="triangle"/>
+          </a:ln>
+        </p:spPr>
+        <p:style>
+          <a:lnRef idx="1">
+            <a:schemeClr val="accent1"/>
+          </a:lnRef>
+          <a:fillRef idx="0">
+            <a:schemeClr val="accent1"/>
+          </a:fillRef>
+          <a:effectRef idx="0">
+            <a:schemeClr val="accent1"/>
+          </a:effectRef>
+          <a:fontRef idx="minor">
+            <a:schemeClr val="tx1"/>
+          </a:fontRef>
+        </p:style>
+      </p:cxnSp>
+      <p:cxnSp>
+        <p:nvCxnSpPr>
+          <p:cNvPr id="32" name="Conector de seta reta 31"/>
+          <p:cNvCxnSpPr>
+            <a:endCxn id="24" idx="2"/>
+          </p:cNvCxnSpPr>
+          <p:nvPr/>
+        </p:nvCxnSpPr>
+        <p:spPr>
+          <a:xfrm>
+            <a:off x="5466945" y="4499991"/>
+            <a:ext cx="896914" cy="0"/>
+          </a:xfrm>
+          <a:prstGeom prst="straightConnector1">
+            <a:avLst/>
+          </a:prstGeom>
+          <a:ln w="38100">
+            <a:solidFill>
+              <a:schemeClr val="tx2"/>
+            </a:solidFill>
+            <a:tailEnd type="triangle"/>
+          </a:ln>
+        </p:spPr>
+        <p:style>
+          <a:lnRef idx="1">
+            <a:schemeClr val="accent1"/>
+          </a:lnRef>
+          <a:fillRef idx="0">
+            <a:schemeClr val="accent1"/>
+          </a:fillRef>
+          <a:effectRef idx="0">
+            <a:schemeClr val="accent1"/>
+          </a:effectRef>
+          <a:fontRef idx="minor">
+            <a:schemeClr val="tx1"/>
+          </a:fontRef>
+        </p:style>
+      </p:cxnSp>
+      <p:cxnSp>
+        <p:nvCxnSpPr>
+          <p:cNvPr id="33" name="Conector de seta reta 32"/>
+          <p:cNvCxnSpPr/>
+          <p:nvPr/>
+        </p:nvCxnSpPr>
+        <p:spPr>
+          <a:xfrm flipV="1">
+            <a:off x="5554227" y="2538241"/>
+            <a:ext cx="842710" cy="2136"/>
+          </a:xfrm>
+          <a:prstGeom prst="straightConnector1">
+            <a:avLst/>
+          </a:prstGeom>
+          <a:ln w="38100">
+            <a:solidFill>
+              <a:schemeClr val="tx2"/>
+            </a:solidFill>
+            <a:tailEnd type="triangle"/>
+          </a:ln>
+        </p:spPr>
+        <p:style>
+          <a:lnRef idx="1">
+            <a:schemeClr val="accent1"/>
+          </a:lnRef>
+          <a:fillRef idx="0">
+            <a:schemeClr val="accent1"/>
+          </a:fillRef>
+          <a:effectRef idx="0">
+            <a:schemeClr val="accent1"/>
+          </a:effectRef>
+          <a:fontRef idx="minor">
+            <a:schemeClr val="tx1"/>
+          </a:fontRef>
+        </p:style>
+      </p:cxnSp>
+      <p:cxnSp>
+        <p:nvCxnSpPr>
+          <p:cNvPr id="34" name="Conector de seta reta 33"/>
+          <p:cNvCxnSpPr/>
+          <p:nvPr/>
+        </p:nvCxnSpPr>
+        <p:spPr>
+          <a:xfrm>
+            <a:off x="5591844" y="1741918"/>
+            <a:ext cx="927372" cy="424033"/>
+          </a:xfrm>
+          <a:prstGeom prst="straightConnector1">
+            <a:avLst/>
+          </a:prstGeom>
+          <a:ln w="38100">
+            <a:solidFill>
+              <a:schemeClr val="tx2"/>
+            </a:solidFill>
+            <a:tailEnd type="triangle"/>
+          </a:ln>
+        </p:spPr>
+        <p:style>
+          <a:lnRef idx="1">
+            <a:schemeClr val="accent1"/>
+          </a:lnRef>
+          <a:fillRef idx="0">
+            <a:schemeClr val="accent1"/>
+          </a:fillRef>
+          <a:effectRef idx="0">
+            <a:schemeClr val="accent1"/>
+          </a:effectRef>
+          <a:fontRef idx="minor">
+            <a:schemeClr val="tx1"/>
+          </a:fontRef>
+        </p:style>
+      </p:cxnSp>
+      <p:cxnSp>
+        <p:nvCxnSpPr>
+          <p:cNvPr id="35" name="Conector de seta reta 34"/>
+          <p:cNvCxnSpPr/>
+          <p:nvPr/>
+        </p:nvCxnSpPr>
+        <p:spPr>
+          <a:xfrm>
+            <a:off x="5384015" y="3600298"/>
+            <a:ext cx="792000" cy="684000"/>
+          </a:xfrm>
+          <a:prstGeom prst="straightConnector1">
+            <a:avLst/>
+          </a:prstGeom>
+          <a:ln w="38100">
+            <a:solidFill>
+              <a:schemeClr val="tx2"/>
+            </a:solidFill>
+            <a:tailEnd type="triangle"/>
+          </a:ln>
+        </p:spPr>
+        <p:style>
+          <a:lnRef idx="1">
+            <a:schemeClr val="accent1"/>
+          </a:lnRef>
+          <a:fillRef idx="0">
+            <a:schemeClr val="accent1"/>
+          </a:fillRef>
+          <a:effectRef idx="0">
+            <a:schemeClr val="accent1"/>
+          </a:effectRef>
+          <a:fontRef idx="minor">
+            <a:schemeClr val="tx1"/>
+          </a:fontRef>
+        </p:style>
+      </p:cxnSp>
+      <p:cxnSp>
+        <p:nvCxnSpPr>
+          <p:cNvPr id="37" name="Conector de seta reta 36"/>
+          <p:cNvCxnSpPr/>
+          <p:nvPr/>
+        </p:nvCxnSpPr>
+        <p:spPr>
+          <a:xfrm flipV="1">
+            <a:off x="5354786" y="3622555"/>
+            <a:ext cx="850458" cy="639486"/>
+          </a:xfrm>
+          <a:prstGeom prst="straightConnector1">
+            <a:avLst/>
+          </a:prstGeom>
+          <a:ln w="38100">
+            <a:solidFill>
+              <a:schemeClr val="tx2"/>
+            </a:solidFill>
+            <a:tailEnd type="triangle"/>
+          </a:ln>
+        </p:spPr>
+        <p:style>
+          <a:lnRef idx="1">
+            <a:schemeClr val="accent1"/>
+          </a:lnRef>
+          <a:fillRef idx="0">
+            <a:schemeClr val="accent1"/>
+          </a:fillRef>
+          <a:effectRef idx="0">
+            <a:schemeClr val="accent1"/>
+          </a:effectRef>
+          <a:fontRef idx="minor">
+            <a:schemeClr val="tx1"/>
+          </a:fontRef>
+        </p:style>
+      </p:cxnSp>
+      <p:cxnSp>
+        <p:nvCxnSpPr>
+          <p:cNvPr id="50" name="Conector de seta reta 49"/>
+          <p:cNvCxnSpPr/>
+          <p:nvPr/>
+        </p:nvCxnSpPr>
+        <p:spPr>
+          <a:xfrm>
+            <a:off x="8568608" y="2464788"/>
+            <a:ext cx="903896" cy="655064"/>
+          </a:xfrm>
+          <a:prstGeom prst="straightConnector1">
+            <a:avLst/>
+          </a:prstGeom>
+          <a:ln w="38100">
+            <a:solidFill>
+              <a:schemeClr val="tx2"/>
+            </a:solidFill>
+            <a:tailEnd type="triangle"/>
+          </a:ln>
+        </p:spPr>
+        <p:style>
+          <a:lnRef idx="1">
+            <a:schemeClr val="accent1"/>
+          </a:lnRef>
+          <a:fillRef idx="0">
+            <a:schemeClr val="accent1"/>
+          </a:fillRef>
+          <a:effectRef idx="0">
+            <a:schemeClr val="accent1"/>
+          </a:effectRef>
+          <a:fontRef idx="minor">
+            <a:schemeClr val="tx1"/>
+          </a:fontRef>
+        </p:style>
+      </p:cxnSp>
+      <p:cxnSp>
+        <p:nvCxnSpPr>
+          <p:cNvPr id="51" name="Conector de seta reta 50"/>
+          <p:cNvCxnSpPr/>
+          <p:nvPr/>
+        </p:nvCxnSpPr>
+        <p:spPr>
+          <a:xfrm>
+            <a:off x="8539874" y="1737643"/>
+            <a:ext cx="1273827" cy="1271798"/>
+          </a:xfrm>
+          <a:prstGeom prst="straightConnector1">
+            <a:avLst/>
+          </a:prstGeom>
+          <a:ln w="38100">
+            <a:solidFill>
+              <a:schemeClr val="tx2"/>
+            </a:solidFill>
+            <a:tailEnd type="triangle"/>
+          </a:ln>
+        </p:spPr>
+        <p:style>
+          <a:lnRef idx="1">
+            <a:schemeClr val="accent1"/>
+          </a:lnRef>
+          <a:fillRef idx="0">
+            <a:schemeClr val="accent1"/>
+          </a:fillRef>
+          <a:effectRef idx="0">
+            <a:schemeClr val="accent1"/>
+          </a:effectRef>
+          <a:fontRef idx="minor">
+            <a:schemeClr val="tx1"/>
+          </a:fontRef>
+        </p:style>
+      </p:cxnSp>
+      <p:cxnSp>
+        <p:nvCxnSpPr>
+          <p:cNvPr id="55" name="Conector de seta reta 54"/>
+          <p:cNvCxnSpPr/>
+          <p:nvPr/>
+        </p:nvCxnSpPr>
+        <p:spPr>
+          <a:xfrm flipV="1">
+            <a:off x="8539874" y="3853872"/>
+            <a:ext cx="932630" cy="657196"/>
+          </a:xfrm>
+          <a:prstGeom prst="straightConnector1">
+            <a:avLst/>
+          </a:prstGeom>
+          <a:ln w="38100">
+            <a:solidFill>
+              <a:schemeClr val="tx2"/>
+            </a:solidFill>
+            <a:tailEnd type="triangle"/>
+          </a:ln>
+        </p:spPr>
+        <p:style>
+          <a:lnRef idx="1">
+            <a:schemeClr val="accent1"/>
+          </a:lnRef>
+          <a:fillRef idx="0">
+            <a:schemeClr val="accent1"/>
+          </a:fillRef>
+          <a:effectRef idx="0">
+            <a:schemeClr val="accent1"/>
+          </a:effectRef>
+          <a:fontRef idx="minor">
+            <a:schemeClr val="tx1"/>
+          </a:fontRef>
+        </p:style>
+      </p:cxnSp>
+      <p:cxnSp>
+        <p:nvCxnSpPr>
+          <p:cNvPr id="57" name="Conector de seta reta 56"/>
+          <p:cNvCxnSpPr/>
+          <p:nvPr/>
+        </p:nvCxnSpPr>
+        <p:spPr>
+          <a:xfrm flipV="1">
+            <a:off x="8539874" y="4012197"/>
+            <a:ext cx="1281663" cy="1343302"/>
+          </a:xfrm>
+          <a:prstGeom prst="straightConnector1">
+            <a:avLst/>
+          </a:prstGeom>
+          <a:ln w="38100">
+            <a:solidFill>
+              <a:schemeClr val="tx2"/>
+            </a:solidFill>
+            <a:tailEnd type="triangle"/>
+          </a:ln>
+        </p:spPr>
+        <p:style>
+          <a:lnRef idx="1">
+            <a:schemeClr val="accent1"/>
+          </a:lnRef>
+          <a:fillRef idx="0">
+            <a:schemeClr val="accent1"/>
+          </a:fillRef>
+          <a:effectRef idx="0">
+            <a:schemeClr val="accent1"/>
+          </a:effectRef>
+          <a:fontRef idx="minor">
+            <a:schemeClr val="tx1"/>
+          </a:fontRef>
+        </p:style>
+      </p:cxnSp>
+      <p:sp>
+        <p:nvSpPr>
+          <p:cNvPr id="66" name="CaixaDeTexto 65"/>
+          <p:cNvSpPr txBox="1"/>
+          <p:nvPr/>
+        </p:nvSpPr>
+        <p:spPr>
+          <a:xfrm>
+            <a:off x="9467461" y="3344522"/>
+            <a:ext cx="2401910" cy="369332"/>
+          </a:xfrm>
+          <a:prstGeom prst="rect">
+            <a:avLst/>
+          </a:prstGeom>
+          <a:noFill/>
+        </p:spPr>
+        <p:txBody>
+          <a:bodyPr wrap="square" rtlCol="0">
+            <a:spAutoFit/>
+          </a:bodyPr>
+          <a:lstStyle/>
+          <a:p>
+            <a:r>
+              <a:rPr lang="pt-BR" sz="1800" kern="1200" dirty="0" smtClean="0">
+                <a:solidFill>
+                  <a:schemeClr val="tx1"/>
+                </a:solidFill>
+                <a:latin typeface="Arial" panose="020B0604020202020204" pitchFamily="34" charset="0"/>
+                <a:cs typeface="Arial" panose="020B0604020202020204" pitchFamily="34" charset="0"/>
+              </a:rPr>
+              <a:t>CRONOMETRAGEM</a:t>
+            </a:r>
+            <a:endParaRPr lang="pt-BR" sz="1800" kern="1200" dirty="0">
+              <a:solidFill>
+                <a:schemeClr val="tx1"/>
+              </a:solidFill>
+              <a:latin typeface="Arial" panose="020B0604020202020204" pitchFamily="34" charset="0"/>
+              <a:cs typeface="Arial" panose="020B0604020202020204" pitchFamily="34" charset="0"/>
+            </a:endParaRPr>
+          </a:p>
+        </p:txBody>
+      </p:sp>
+      <p:sp>
+        <p:nvSpPr>
+          <p:cNvPr id="67" name="Elipse 66"/>
+          <p:cNvSpPr/>
+          <p:nvPr/>
+        </p:nvSpPr>
+        <p:spPr>
+          <a:xfrm>
+            <a:off x="6358300" y="5174103"/>
+            <a:ext cx="2114281" cy="796344"/>
+          </a:xfrm>
+          <a:prstGeom prst="ellipse">
+            <a:avLst/>
+          </a:prstGeom>
+          <a:solidFill>
+            <a:schemeClr val="bg1">
+              <a:lumMod val="95000"/>
+            </a:schemeClr>
+          </a:solidFill>
+        </p:spPr>
+        <p:style>
+          <a:lnRef idx="2">
+            <a:schemeClr val="accent1">
+              <a:shade val="50000"/>
+            </a:schemeClr>
+          </a:lnRef>
+          <a:fillRef idx="1">
+            <a:schemeClr val="accent1"/>
+          </a:fillRef>
+          <a:effectRef idx="0">
+            <a:schemeClr val="accent1"/>
+          </a:effectRef>
+          <a:fontRef idx="minor">
+            <a:schemeClr val="lt1"/>
+          </a:fontRef>
+        </p:style>
+        <p:txBody>
+          <a:bodyPr rtlCol="0" anchor="ctr"/>
+          <a:lstStyle/>
+          <a:p>
+            <a:pPr algn="ctr"/>
+            <a:endParaRPr lang="pt-BR" dirty="0">
+              <a:solidFill>
+                <a:schemeClr val="tx1"/>
+              </a:solidFill>
+              <a:latin typeface="Arial" panose="020B0604020202020204" pitchFamily="34" charset="0"/>
+              <a:cs typeface="Arial" panose="020B0604020202020204" pitchFamily="34" charset="0"/>
+            </a:endParaRPr>
+          </a:p>
+        </p:txBody>
+      </p:sp>
+      <p:sp>
+        <p:nvSpPr>
+          <p:cNvPr id="68" name="CaixaDeTexto 67"/>
+          <p:cNvSpPr txBox="1"/>
+          <p:nvPr/>
+        </p:nvSpPr>
+        <p:spPr>
+          <a:xfrm>
+            <a:off x="6358300" y="5398272"/>
+            <a:ext cx="2276734" cy="369332"/>
+          </a:xfrm>
+          <a:prstGeom prst="rect">
+            <a:avLst/>
+          </a:prstGeom>
+          <a:noFill/>
+        </p:spPr>
+        <p:txBody>
+          <a:bodyPr wrap="square" rtlCol="0">
+            <a:spAutoFit/>
+          </a:bodyPr>
+          <a:lstStyle/>
+          <a:p>
+            <a:r>
+              <a:rPr lang="pt-BR" dirty="0" smtClean="0">
+                <a:latin typeface="Arial" panose="020B0604020202020204" pitchFamily="34" charset="0"/>
+                <a:cs typeface="Arial" panose="020B0604020202020204" pitchFamily="34" charset="0"/>
+              </a:rPr>
+              <a:t>CRONOMETRISTA</a:t>
+            </a:r>
+            <a:endParaRPr lang="pt-BR" dirty="0">
+              <a:latin typeface="Arial" panose="020B0604020202020204" pitchFamily="34" charset="0"/>
+              <a:cs typeface="Arial" panose="020B0604020202020204" pitchFamily="34" charset="0"/>
+            </a:endParaRPr>
+          </a:p>
+        </p:txBody>
+      </p:sp>
+    </p:spTree>
+    <p:extLst>
+      <p:ext uri="{BB962C8B-B14F-4D97-AF65-F5344CB8AC3E}">
+        <p14:creationId xmlns:p14="http://schemas.microsoft.com/office/powerpoint/2010/main" val="1238394085"/>
+      </p:ext>
+    </p:extLst>
+  </p:cSld>
+  <p:clrMapOvr>
+    <a:masterClrMapping/>
+  </p:clrMapOvr>
+</p:sld>
+</file>
+
 <file path=ppt/theme/theme1.xml><?xml version="1.0" encoding="utf-8"?>
 <a:theme xmlns:a="http://schemas.openxmlformats.org/drawingml/2006/main" name="Tema do Office">
   <a:themeElements>
